--- a/Taller_11/RoBERTa_presentación.pptx
+++ b/Taller_11/RoBERTa_presentación.pptx
@@ -7734,8 +7734,8 @@
         </p:nvSpPr>
         <p:spPr>
           <a:xfrm>
-            <a:off x="2589213" y="1286619"/>
-            <a:ext cx="9224096" cy="2262781"/>
+            <a:off x="1415562" y="424974"/>
+            <a:ext cx="10709030" cy="2262781"/>
           </a:xfrm>
         </p:spPr>
         <p:txBody>
@@ -7760,13 +7760,31 @@
               <a:rPr lang="es-419" b="1" dirty="0"/>
             </a:br>
             <a:br>
-              <a:rPr lang="es-419" b="1" dirty="0"/>
+              <a:rPr lang="es-419" sz="2900" b="1" dirty="0"/>
             </a:br>
             <a:r>
-              <a:rPr lang="es-419" b="1" dirty="0" err="1"/>
+              <a:rPr lang="es-419" sz="2900" b="1" i="1" dirty="0" err="1"/>
               <a:t>RoBERTa</a:t>
             </a:r>
-            <a:endParaRPr lang="es-CO" b="1" dirty="0"/>
+            <a:r>
+              <a:rPr lang="es-419" sz="2900" b="1" i="1" dirty="0"/>
+              <a:t>: </a:t>
+            </a:r>
+            <a:r>
+              <a:rPr lang="en-US" sz="2900" b="1" dirty="0"/>
+              <a:t>A Robustly Optimized BERT Pretraining Approach</a:t>
+            </a:r>
+            <a:br>
+              <a:rPr lang="en-US" sz="2900" b="1" dirty="0"/>
+            </a:br>
+            <a:br>
+              <a:rPr lang="en-US" sz="2900" b="1" dirty="0"/>
+            </a:br>
+            <a:r>
+              <a:rPr lang="es-419" sz="2900" b="1" dirty="0"/>
+              <a:t>Enfoque de preentrenamiento BERT optimizado</a:t>
+            </a:r>
+            <a:endParaRPr lang="es-CO" sz="2900" b="1" dirty="0"/>
           </a:p>
         </p:txBody>
       </p:sp>
@@ -7922,8 +7940,8 @@
         </p:blipFill>
         <p:spPr>
           <a:xfrm>
-            <a:off x="6412523" y="1754930"/>
-            <a:ext cx="4730263" cy="3348139"/>
+            <a:off x="6770077" y="2891965"/>
+            <a:ext cx="3297233" cy="2333822"/>
           </a:xfrm>
           <a:prstGeom prst="rect">
             <a:avLst/>
